--- a/에셋/아이콘 이미지.pptx
+++ b/에셋/아이콘 이미지.pptx
@@ -197,7 +197,7 @@
           <a:p>
             <a:fld id="{69A10F79-B3FC-354D-B0B2-A845CC59C16C}" type="datetimeFigureOut">
               <a:rPr kumimoji="1" lang="ko-Kore-KR" altLang="en-US" smtClean="0"/>
-              <a:t>2022. 7. 11.</a:t>
+              <a:t>2022. 7. 21.</a:t>
             </a:fld>
             <a:endParaRPr kumimoji="1" lang="ko-Kore-KR" altLang="en-US"/>
           </a:p>
@@ -685,7 +685,7 @@
           <a:p>
             <a:fld id="{9D7666CF-921F-0647-BA3A-AA71C0FD6CC6}" type="datetimeFigureOut">
               <a:rPr kumimoji="1" lang="ko-Kore-KR" altLang="en-US" smtClean="0"/>
-              <a:t>2022. 7. 11.</a:t>
+              <a:t>2022. 7. 21.</a:t>
             </a:fld>
             <a:endParaRPr kumimoji="1" lang="ko-Kore-KR" altLang="en-US"/>
           </a:p>
@@ -855,7 +855,7 @@
           <a:p>
             <a:fld id="{9D7666CF-921F-0647-BA3A-AA71C0FD6CC6}" type="datetimeFigureOut">
               <a:rPr kumimoji="1" lang="ko-Kore-KR" altLang="en-US" smtClean="0"/>
-              <a:t>2022. 7. 11.</a:t>
+              <a:t>2022. 7. 21.</a:t>
             </a:fld>
             <a:endParaRPr kumimoji="1" lang="ko-Kore-KR" altLang="en-US"/>
           </a:p>
@@ -1035,7 +1035,7 @@
           <a:p>
             <a:fld id="{9D7666CF-921F-0647-BA3A-AA71C0FD6CC6}" type="datetimeFigureOut">
               <a:rPr kumimoji="1" lang="ko-Kore-KR" altLang="en-US" smtClean="0"/>
-              <a:t>2022. 7. 11.</a:t>
+              <a:t>2022. 7. 21.</a:t>
             </a:fld>
             <a:endParaRPr kumimoji="1" lang="ko-Kore-KR" altLang="en-US"/>
           </a:p>
@@ -1205,7 +1205,7 @@
           <a:p>
             <a:fld id="{9D7666CF-921F-0647-BA3A-AA71C0FD6CC6}" type="datetimeFigureOut">
               <a:rPr kumimoji="1" lang="ko-Kore-KR" altLang="en-US" smtClean="0"/>
-              <a:t>2022. 7. 11.</a:t>
+              <a:t>2022. 7. 21.</a:t>
             </a:fld>
             <a:endParaRPr kumimoji="1" lang="ko-Kore-KR" altLang="en-US"/>
           </a:p>
@@ -1449,7 +1449,7 @@
           <a:p>
             <a:fld id="{9D7666CF-921F-0647-BA3A-AA71C0FD6CC6}" type="datetimeFigureOut">
               <a:rPr kumimoji="1" lang="ko-Kore-KR" altLang="en-US" smtClean="0"/>
-              <a:t>2022. 7. 11.</a:t>
+              <a:t>2022. 7. 21.</a:t>
             </a:fld>
             <a:endParaRPr kumimoji="1" lang="ko-Kore-KR" altLang="en-US"/>
           </a:p>
@@ -1681,7 +1681,7 @@
           <a:p>
             <a:fld id="{9D7666CF-921F-0647-BA3A-AA71C0FD6CC6}" type="datetimeFigureOut">
               <a:rPr kumimoji="1" lang="ko-Kore-KR" altLang="en-US" smtClean="0"/>
-              <a:t>2022. 7. 11.</a:t>
+              <a:t>2022. 7. 21.</a:t>
             </a:fld>
             <a:endParaRPr kumimoji="1" lang="ko-Kore-KR" altLang="en-US"/>
           </a:p>
@@ -2048,7 +2048,7 @@
           <a:p>
             <a:fld id="{9D7666CF-921F-0647-BA3A-AA71C0FD6CC6}" type="datetimeFigureOut">
               <a:rPr kumimoji="1" lang="ko-Kore-KR" altLang="en-US" smtClean="0"/>
-              <a:t>2022. 7. 11.</a:t>
+              <a:t>2022. 7. 21.</a:t>
             </a:fld>
             <a:endParaRPr kumimoji="1" lang="ko-Kore-KR" altLang="en-US"/>
           </a:p>
@@ -2166,7 +2166,7 @@
           <a:p>
             <a:fld id="{9D7666CF-921F-0647-BA3A-AA71C0FD6CC6}" type="datetimeFigureOut">
               <a:rPr kumimoji="1" lang="ko-Kore-KR" altLang="en-US" smtClean="0"/>
-              <a:t>2022. 7. 11.</a:t>
+              <a:t>2022. 7. 21.</a:t>
             </a:fld>
             <a:endParaRPr kumimoji="1" lang="ko-Kore-KR" altLang="en-US"/>
           </a:p>
@@ -2261,7 +2261,7 @@
           <a:p>
             <a:fld id="{9D7666CF-921F-0647-BA3A-AA71C0FD6CC6}" type="datetimeFigureOut">
               <a:rPr kumimoji="1" lang="ko-Kore-KR" altLang="en-US" smtClean="0"/>
-              <a:t>2022. 7. 11.</a:t>
+              <a:t>2022. 7. 21.</a:t>
             </a:fld>
             <a:endParaRPr kumimoji="1" lang="ko-Kore-KR" altLang="en-US"/>
           </a:p>
@@ -2538,7 +2538,7 @@
           <a:p>
             <a:fld id="{9D7666CF-921F-0647-BA3A-AA71C0FD6CC6}" type="datetimeFigureOut">
               <a:rPr kumimoji="1" lang="ko-Kore-KR" altLang="en-US" smtClean="0"/>
-              <a:t>2022. 7. 11.</a:t>
+              <a:t>2022. 7. 21.</a:t>
             </a:fld>
             <a:endParaRPr kumimoji="1" lang="ko-Kore-KR" altLang="en-US"/>
           </a:p>
@@ -2795,7 +2795,7 @@
           <a:p>
             <a:fld id="{9D7666CF-921F-0647-BA3A-AA71C0FD6CC6}" type="datetimeFigureOut">
               <a:rPr kumimoji="1" lang="ko-Kore-KR" altLang="en-US" smtClean="0"/>
-              <a:t>2022. 7. 11.</a:t>
+              <a:t>2022. 7. 21.</a:t>
             </a:fld>
             <a:endParaRPr kumimoji="1" lang="ko-Kore-KR" altLang="en-US"/>
           </a:p>
@@ -3008,7 +3008,7 @@
           <a:p>
             <a:fld id="{9D7666CF-921F-0647-BA3A-AA71C0FD6CC6}" type="datetimeFigureOut">
               <a:rPr kumimoji="1" lang="ko-Kore-KR" altLang="en-US" smtClean="0"/>
-              <a:t>2022. 7. 11.</a:t>
+              <a:t>2022. 7. 21.</a:t>
             </a:fld>
             <a:endParaRPr kumimoji="1" lang="ko-Kore-KR" altLang="en-US"/>
           </a:p>
@@ -3435,8 +3435,8 @@
         </p:nvSpPr>
         <p:spPr>
           <a:xfrm rot="2700000">
-            <a:off x="3708869" y="7329400"/>
-            <a:ext cx="11413082" cy="3934431"/>
+            <a:off x="3716347" y="7311347"/>
+            <a:ext cx="11413082" cy="3955582"/>
           </a:xfrm>
           <a:custGeom>
             <a:avLst/>
@@ -3728,7 +3728,7 @@
             <a:gsLst>
               <a:gs pos="0">
                 <a:schemeClr val="tx1">
-                  <a:alpha val="22393"/>
+                  <a:alpha val="7000"/>
                 </a:schemeClr>
               </a:gs>
               <a:gs pos="100000">
@@ -3805,9 +3805,9 @@
                   <a:schemeClr val="bg1"/>
                 </a:solidFill>
                 <a:effectLst>
-                  <a:outerShdw blurRad="122403" dist="99757" dir="2700000" algn="tl" rotWithShape="0">
+                  <a:outerShdw blurRad="92769" dist="57210" dir="5400000" algn="tl" rotWithShape="0">
                     <a:prstClr val="black">
-                      <a:alpha val="40000"/>
+                      <a:alpha val="25000"/>
                     </a:prstClr>
                   </a:outerShdw>
                 </a:effectLst>

--- a/에셋/아이콘 이미지.pptx
+++ b/에셋/아이콘 이미지.pptx
@@ -5,10 +5,11 @@
     <p:sldMasterId id="2147483684" r:id="rId1"/>
   </p:sldMasterIdLst>
   <p:notesMasterIdLst>
-    <p:notesMasterId r:id="rId3"/>
+    <p:notesMasterId r:id="rId4"/>
   </p:notesMasterIdLst>
   <p:sldIdLst>
     <p:sldId id="256" r:id="rId2"/>
+    <p:sldId id="257" r:id="rId3"/>
   </p:sldIdLst>
   <p:sldSz cx="13003213" cy="13003213"/>
   <p:notesSz cx="6858000" cy="9144000"/>
@@ -197,7 +198,7 @@
           <a:p>
             <a:fld id="{69A10F79-B3FC-354D-B0B2-A845CC59C16C}" type="datetimeFigureOut">
               <a:rPr kumimoji="1" lang="ko-Kore-KR" altLang="en-US" smtClean="0"/>
-              <a:t>2022. 7. 21.</a:t>
+              <a:t>8/11/22</a:t>
             </a:fld>
             <a:endParaRPr kumimoji="1" lang="ko-Kore-KR" altLang="en-US"/>
           </a:p>
@@ -554,6 +555,155 @@
 </p:notes>
 </file>
 
+<file path=ppt/notesSlides/notesSlide2.xml><?xml version="1.0" encoding="utf-8"?>
+<p:notes xmlns:a="http://schemas.openxmlformats.org/drawingml/2006/main" xmlns:r="http://schemas.openxmlformats.org/officeDocument/2006/relationships" xmlns:p="http://schemas.openxmlformats.org/presentationml/2006/main">
+  <p:cSld>
+    <p:spTree>
+      <p:nvGrpSpPr>
+        <p:cNvPr id="1" name=""/>
+        <p:cNvGrpSpPr/>
+        <p:nvPr/>
+      </p:nvGrpSpPr>
+      <p:grpSpPr>
+        <a:xfrm>
+          <a:off x="0" y="0"/>
+          <a:ext cx="0" cy="0"/>
+          <a:chOff x="0" y="0"/>
+          <a:chExt cx="0" cy="0"/>
+        </a:xfrm>
+      </p:grpSpPr>
+      <p:sp>
+        <p:nvSpPr>
+          <p:cNvPr id="2" name="슬라이드 이미지 개체 틀 1"/>
+          <p:cNvSpPr>
+            <a:spLocks noGrp="1" noRot="1" noChangeAspect="1"/>
+          </p:cNvSpPr>
+          <p:nvPr>
+            <p:ph type="sldImg"/>
+          </p:nvPr>
+        </p:nvSpPr>
+        <p:spPr>
+          <a:xfrm>
+            <a:off x="1885950" y="1143000"/>
+            <a:ext cx="3086100" cy="3086100"/>
+          </a:xfrm>
+        </p:spPr>
+      </p:sp>
+      <p:sp>
+        <p:nvSpPr>
+          <p:cNvPr id="3" name="슬라이드 노트 개체 틀 2"/>
+          <p:cNvSpPr>
+            <a:spLocks noGrp="1"/>
+          </p:cNvSpPr>
+          <p:nvPr>
+            <p:ph type="body" idx="1"/>
+          </p:nvPr>
+        </p:nvSpPr>
+        <p:spPr/>
+        <p:txBody>
+          <a:bodyPr/>
+          <a:lstStyle/>
+          <a:p>
+            <a:endParaRPr kumimoji="1" lang="ko-Kore-KR" altLang="en-US" dirty="0"/>
+          </a:p>
+        </p:txBody>
+      </p:sp>
+      <p:sp>
+        <p:nvSpPr>
+          <p:cNvPr id="4" name="슬라이드 번호 개체 틀 3"/>
+          <p:cNvSpPr>
+            <a:spLocks noGrp="1"/>
+          </p:cNvSpPr>
+          <p:nvPr>
+            <p:ph type="sldNum" sz="quarter" idx="5"/>
+          </p:nvPr>
+        </p:nvSpPr>
+        <p:spPr/>
+        <p:txBody>
+          <a:bodyPr/>
+          <a:lstStyle/>
+          <a:p>
+            <a:pPr marL="0" marR="0" lvl="0" indent="0" algn="r" defTabSz="457200" rtl="0" eaLnBrk="1" fontAlgn="auto" latinLnBrk="0" hangingPunct="1">
+              <a:lnSpc>
+                <a:spcPct val="100000"/>
+              </a:lnSpc>
+              <a:spcBef>
+                <a:spcPts val="0"/>
+              </a:spcBef>
+              <a:spcAft>
+                <a:spcPts val="0"/>
+              </a:spcAft>
+              <a:buClrTx/>
+              <a:buSzTx/>
+              <a:buFontTx/>
+              <a:buNone/>
+              <a:tabLst/>
+              <a:defRPr/>
+            </a:pPr>
+            <a:fld id="{F92D6071-A6FF-4248-A175-D87146C93B17}" type="slidenum">
+              <a:rPr kumimoji="1" lang="ko-Kore-KR" altLang="en-US" sz="1200" b="0" i="0" u="none" strike="noStrike" kern="1200" cap="none" spc="0" normalizeH="0" baseline="0" noProof="0" smtClean="0">
+                <a:ln>
+                  <a:noFill/>
+                </a:ln>
+                <a:solidFill>
+                  <a:prstClr val="black"/>
+                </a:solidFill>
+                <a:effectLst/>
+                <a:uLnTx/>
+                <a:uFillTx/>
+                <a:latin typeface="Calibri" panose="020F0502020204030204"/>
+                <a:ea typeface="+mn-ea"/>
+                <a:cs typeface="+mn-cs"/>
+              </a:rPr>
+              <a:pPr marL="0" marR="0" lvl="0" indent="0" algn="r" defTabSz="457200" rtl="0" eaLnBrk="1" fontAlgn="auto" latinLnBrk="0" hangingPunct="1">
+                <a:lnSpc>
+                  <a:spcPct val="100000"/>
+                </a:lnSpc>
+                <a:spcBef>
+                  <a:spcPts val="0"/>
+                </a:spcBef>
+                <a:spcAft>
+                  <a:spcPts val="0"/>
+                </a:spcAft>
+                <a:buClrTx/>
+                <a:buSzTx/>
+                <a:buFontTx/>
+                <a:buNone/>
+                <a:tabLst/>
+                <a:defRPr/>
+              </a:pPr>
+              <a:t>2</a:t>
+            </a:fld>
+            <a:endParaRPr kumimoji="1" lang="ko-Kore-KR" altLang="en-US" sz="1200" b="0" i="0" u="none" strike="noStrike" kern="1200" cap="none" spc="0" normalizeH="0" baseline="0" noProof="0">
+              <a:ln>
+                <a:noFill/>
+              </a:ln>
+              <a:solidFill>
+                <a:prstClr val="black"/>
+              </a:solidFill>
+              <a:effectLst/>
+              <a:uLnTx/>
+              <a:uFillTx/>
+              <a:latin typeface="Calibri" panose="020F0502020204030204"/>
+              <a:ea typeface="+mn-ea"/>
+              <a:cs typeface="+mn-cs"/>
+            </a:endParaRPr>
+          </a:p>
+        </p:txBody>
+      </p:sp>
+    </p:spTree>
+    <p:extLst>
+      <p:ext uri="{BB962C8B-B14F-4D97-AF65-F5344CB8AC3E}">
+        <p14:creationId xmlns:p14="http://schemas.microsoft.com/office/powerpoint/2010/main" val="2912902963"/>
+      </p:ext>
+    </p:extLst>
+  </p:cSld>
+  <p:clrMapOvr>
+    <a:masterClrMapping/>
+  </p:clrMapOvr>
+</p:notes>
+</file>
+
 <file path=ppt/slideLayouts/slideLayout1.xml><?xml version="1.0" encoding="utf-8"?>
 <p:sldLayout xmlns:a="http://schemas.openxmlformats.org/drawingml/2006/main" xmlns:r="http://schemas.openxmlformats.org/officeDocument/2006/relationships" xmlns:p="http://schemas.openxmlformats.org/presentationml/2006/main" type="title" preserve="1">
   <p:cSld name="제목 슬라이드">
@@ -685,7 +835,7 @@
           <a:p>
             <a:fld id="{9D7666CF-921F-0647-BA3A-AA71C0FD6CC6}" type="datetimeFigureOut">
               <a:rPr kumimoji="1" lang="ko-Kore-KR" altLang="en-US" smtClean="0"/>
-              <a:t>2022. 7. 21.</a:t>
+              <a:t>8/11/22</a:t>
             </a:fld>
             <a:endParaRPr kumimoji="1" lang="ko-Kore-KR" altLang="en-US"/>
           </a:p>
@@ -855,7 +1005,7 @@
           <a:p>
             <a:fld id="{9D7666CF-921F-0647-BA3A-AA71C0FD6CC6}" type="datetimeFigureOut">
               <a:rPr kumimoji="1" lang="ko-Kore-KR" altLang="en-US" smtClean="0"/>
-              <a:t>2022. 7. 21.</a:t>
+              <a:t>8/11/22</a:t>
             </a:fld>
             <a:endParaRPr kumimoji="1" lang="ko-Kore-KR" altLang="en-US"/>
           </a:p>
@@ -1035,7 +1185,7 @@
           <a:p>
             <a:fld id="{9D7666CF-921F-0647-BA3A-AA71C0FD6CC6}" type="datetimeFigureOut">
               <a:rPr kumimoji="1" lang="ko-Kore-KR" altLang="en-US" smtClean="0"/>
-              <a:t>2022. 7. 21.</a:t>
+              <a:t>8/11/22</a:t>
             </a:fld>
             <a:endParaRPr kumimoji="1" lang="ko-Kore-KR" altLang="en-US"/>
           </a:p>
@@ -1205,7 +1355,7 @@
           <a:p>
             <a:fld id="{9D7666CF-921F-0647-BA3A-AA71C0FD6CC6}" type="datetimeFigureOut">
               <a:rPr kumimoji="1" lang="ko-Kore-KR" altLang="en-US" smtClean="0"/>
-              <a:t>2022. 7. 21.</a:t>
+              <a:t>8/11/22</a:t>
             </a:fld>
             <a:endParaRPr kumimoji="1" lang="ko-Kore-KR" altLang="en-US"/>
           </a:p>
@@ -1449,7 +1599,7 @@
           <a:p>
             <a:fld id="{9D7666CF-921F-0647-BA3A-AA71C0FD6CC6}" type="datetimeFigureOut">
               <a:rPr kumimoji="1" lang="ko-Kore-KR" altLang="en-US" smtClean="0"/>
-              <a:t>2022. 7. 21.</a:t>
+              <a:t>8/11/22</a:t>
             </a:fld>
             <a:endParaRPr kumimoji="1" lang="ko-Kore-KR" altLang="en-US"/>
           </a:p>
@@ -1681,7 +1831,7 @@
           <a:p>
             <a:fld id="{9D7666CF-921F-0647-BA3A-AA71C0FD6CC6}" type="datetimeFigureOut">
               <a:rPr kumimoji="1" lang="ko-Kore-KR" altLang="en-US" smtClean="0"/>
-              <a:t>2022. 7. 21.</a:t>
+              <a:t>8/11/22</a:t>
             </a:fld>
             <a:endParaRPr kumimoji="1" lang="ko-Kore-KR" altLang="en-US"/>
           </a:p>
@@ -2048,7 +2198,7 @@
           <a:p>
             <a:fld id="{9D7666CF-921F-0647-BA3A-AA71C0FD6CC6}" type="datetimeFigureOut">
               <a:rPr kumimoji="1" lang="ko-Kore-KR" altLang="en-US" smtClean="0"/>
-              <a:t>2022. 7. 21.</a:t>
+              <a:t>8/11/22</a:t>
             </a:fld>
             <a:endParaRPr kumimoji="1" lang="ko-Kore-KR" altLang="en-US"/>
           </a:p>
@@ -2166,7 +2316,7 @@
           <a:p>
             <a:fld id="{9D7666CF-921F-0647-BA3A-AA71C0FD6CC6}" type="datetimeFigureOut">
               <a:rPr kumimoji="1" lang="ko-Kore-KR" altLang="en-US" smtClean="0"/>
-              <a:t>2022. 7. 21.</a:t>
+              <a:t>8/11/22</a:t>
             </a:fld>
             <a:endParaRPr kumimoji="1" lang="ko-Kore-KR" altLang="en-US"/>
           </a:p>
@@ -2261,7 +2411,7 @@
           <a:p>
             <a:fld id="{9D7666CF-921F-0647-BA3A-AA71C0FD6CC6}" type="datetimeFigureOut">
               <a:rPr kumimoji="1" lang="ko-Kore-KR" altLang="en-US" smtClean="0"/>
-              <a:t>2022. 7. 21.</a:t>
+              <a:t>8/11/22</a:t>
             </a:fld>
             <a:endParaRPr kumimoji="1" lang="ko-Kore-KR" altLang="en-US"/>
           </a:p>
@@ -2538,7 +2688,7 @@
           <a:p>
             <a:fld id="{9D7666CF-921F-0647-BA3A-AA71C0FD6CC6}" type="datetimeFigureOut">
               <a:rPr kumimoji="1" lang="ko-Kore-KR" altLang="en-US" smtClean="0"/>
-              <a:t>2022. 7. 21.</a:t>
+              <a:t>8/11/22</a:t>
             </a:fld>
             <a:endParaRPr kumimoji="1" lang="ko-Kore-KR" altLang="en-US"/>
           </a:p>
@@ -2795,7 +2945,7 @@
           <a:p>
             <a:fld id="{9D7666CF-921F-0647-BA3A-AA71C0FD6CC6}" type="datetimeFigureOut">
               <a:rPr kumimoji="1" lang="ko-Kore-KR" altLang="en-US" smtClean="0"/>
-              <a:t>2022. 7. 21.</a:t>
+              <a:t>8/11/22</a:t>
             </a:fld>
             <a:endParaRPr kumimoji="1" lang="ko-Kore-KR" altLang="en-US"/>
           </a:p>
@@ -3008,7 +3158,7 @@
           <a:p>
             <a:fld id="{9D7666CF-921F-0647-BA3A-AA71C0FD6CC6}" type="datetimeFigureOut">
               <a:rPr kumimoji="1" lang="ko-Kore-KR" altLang="en-US" smtClean="0"/>
-              <a:t>2022. 7. 21.</a:t>
+              <a:t>8/11/22</a:t>
             </a:fld>
             <a:endParaRPr kumimoji="1" lang="ko-Kore-KR" altLang="en-US"/>
           </a:p>
@@ -3853,6 +4003,523 @@
     <p:extLst>
       <p:ext uri="{BB962C8B-B14F-4D97-AF65-F5344CB8AC3E}">
         <p14:creationId xmlns:p14="http://schemas.microsoft.com/office/powerpoint/2010/main" val="4119337444"/>
+      </p:ext>
+    </p:extLst>
+  </p:cSld>
+  <p:clrMapOvr>
+    <a:masterClrMapping/>
+  </p:clrMapOvr>
+</p:sld>
+</file>
+
+<file path=ppt/slides/slide2.xml><?xml version="1.0" encoding="utf-8"?>
+<p:sld xmlns:a="http://schemas.openxmlformats.org/drawingml/2006/main" xmlns:r="http://schemas.openxmlformats.org/officeDocument/2006/relationships" xmlns:p="http://schemas.openxmlformats.org/presentationml/2006/main">
+  <p:cSld>
+    <p:bg>
+      <p:bgPr>
+        <a:solidFill>
+          <a:srgbClr val="3DB6ED"/>
+        </a:solidFill>
+        <a:effectLst/>
+      </p:bgPr>
+    </p:bg>
+    <p:spTree>
+      <p:nvGrpSpPr>
+        <p:cNvPr id="1" name=""/>
+        <p:cNvGrpSpPr/>
+        <p:nvPr/>
+      </p:nvGrpSpPr>
+      <p:grpSpPr>
+        <a:xfrm>
+          <a:off x="0" y="0"/>
+          <a:ext cx="0" cy="0"/>
+          <a:chOff x="0" y="0"/>
+          <a:chExt cx="0" cy="0"/>
+        </a:xfrm>
+      </p:grpSpPr>
+      <p:sp>
+        <p:nvSpPr>
+          <p:cNvPr id="10" name="직사각형 9">
+            <a:extLst>
+              <a:ext uri="{FF2B5EF4-FFF2-40B4-BE49-F238E27FC236}">
+                <a16:creationId xmlns:a16="http://schemas.microsoft.com/office/drawing/2014/main" id="{09319D19-E39F-C3DB-C5F0-5C4EB9872F5B}"/>
+              </a:ext>
+            </a:extLst>
+          </p:cNvPr>
+          <p:cNvSpPr/>
+          <p:nvPr/>
+        </p:nvSpPr>
+        <p:spPr>
+          <a:xfrm rot="2700000">
+            <a:off x="1637709" y="8339974"/>
+            <a:ext cx="19871658" cy="6887182"/>
+          </a:xfrm>
+          <a:custGeom>
+            <a:avLst/>
+            <a:gdLst>
+              <a:gd name="connsiteX0" fmla="*/ 0 w 14832835"/>
+              <a:gd name="connsiteY0" fmla="*/ 0 h 3268363"/>
+              <a:gd name="connsiteX1" fmla="*/ 14832835 w 14832835"/>
+              <a:gd name="connsiteY1" fmla="*/ 0 h 3268363"/>
+              <a:gd name="connsiteX2" fmla="*/ 14832835 w 14832835"/>
+              <a:gd name="connsiteY2" fmla="*/ 3268363 h 3268363"/>
+              <a:gd name="connsiteX3" fmla="*/ 0 w 14832835"/>
+              <a:gd name="connsiteY3" fmla="*/ 3268363 h 3268363"/>
+              <a:gd name="connsiteX4" fmla="*/ 0 w 14832835"/>
+              <a:gd name="connsiteY4" fmla="*/ 0 h 3268363"/>
+              <a:gd name="connsiteX0" fmla="*/ 0 w 14832835"/>
+              <a:gd name="connsiteY0" fmla="*/ 0 h 3268363"/>
+              <a:gd name="connsiteX1" fmla="*/ 14832835 w 14832835"/>
+              <a:gd name="connsiteY1" fmla="*/ 0 h 3268363"/>
+              <a:gd name="connsiteX2" fmla="*/ 14832835 w 14832835"/>
+              <a:gd name="connsiteY2" fmla="*/ 3268363 h 3268363"/>
+              <a:gd name="connsiteX3" fmla="*/ 1097679 w 14832835"/>
+              <a:gd name="connsiteY3" fmla="*/ 3268362 h 3268363"/>
+              <a:gd name="connsiteX4" fmla="*/ 0 w 14832835"/>
+              <a:gd name="connsiteY4" fmla="*/ 0 h 3268363"/>
+              <a:gd name="connsiteX0" fmla="*/ 0 w 14750133"/>
+              <a:gd name="connsiteY0" fmla="*/ 0 h 3275881"/>
+              <a:gd name="connsiteX1" fmla="*/ 14750133 w 14750133"/>
+              <a:gd name="connsiteY1" fmla="*/ 7518 h 3275881"/>
+              <a:gd name="connsiteX2" fmla="*/ 14750133 w 14750133"/>
+              <a:gd name="connsiteY2" fmla="*/ 3275881 h 3275881"/>
+              <a:gd name="connsiteX3" fmla="*/ 1014977 w 14750133"/>
+              <a:gd name="connsiteY3" fmla="*/ 3275880 h 3275881"/>
+              <a:gd name="connsiteX4" fmla="*/ 0 w 14750133"/>
+              <a:gd name="connsiteY4" fmla="*/ 0 h 3275881"/>
+              <a:gd name="connsiteX0" fmla="*/ 0 w 14750133"/>
+              <a:gd name="connsiteY0" fmla="*/ 0 h 3275881"/>
+              <a:gd name="connsiteX1" fmla="*/ 14750133 w 14750133"/>
+              <a:gd name="connsiteY1" fmla="*/ 7518 h 3275881"/>
+              <a:gd name="connsiteX2" fmla="*/ 14750133 w 14750133"/>
+              <a:gd name="connsiteY2" fmla="*/ 3275881 h 3275881"/>
+              <a:gd name="connsiteX3" fmla="*/ 1014977 w 14750133"/>
+              <a:gd name="connsiteY3" fmla="*/ 3275880 h 3275881"/>
+              <a:gd name="connsiteX4" fmla="*/ 472778 w 14750133"/>
+              <a:gd name="connsiteY4" fmla="*/ 1561697 h 3275881"/>
+              <a:gd name="connsiteX5" fmla="*/ 0 w 14750133"/>
+              <a:gd name="connsiteY5" fmla="*/ 0 h 3275881"/>
+              <a:gd name="connsiteX0" fmla="*/ 121172 w 14871305"/>
+              <a:gd name="connsiteY0" fmla="*/ 0 h 3275881"/>
+              <a:gd name="connsiteX1" fmla="*/ 14871305 w 14871305"/>
+              <a:gd name="connsiteY1" fmla="*/ 7518 h 3275881"/>
+              <a:gd name="connsiteX2" fmla="*/ 14871305 w 14871305"/>
+              <a:gd name="connsiteY2" fmla="*/ 3275881 h 3275881"/>
+              <a:gd name="connsiteX3" fmla="*/ 1136149 w 14871305"/>
+              <a:gd name="connsiteY3" fmla="*/ 3275880 h 3275881"/>
+              <a:gd name="connsiteX4" fmla="*/ 0 w 14871305"/>
+              <a:gd name="connsiteY4" fmla="*/ 1148188 h 3275881"/>
+              <a:gd name="connsiteX5" fmla="*/ 121172 w 14871305"/>
+              <a:gd name="connsiteY5" fmla="*/ 0 h 3275881"/>
+              <a:gd name="connsiteX0" fmla="*/ 121172 w 14871305"/>
+              <a:gd name="connsiteY0" fmla="*/ 0 h 3275881"/>
+              <a:gd name="connsiteX1" fmla="*/ 14871305 w 14871305"/>
+              <a:gd name="connsiteY1" fmla="*/ 7518 h 3275881"/>
+              <a:gd name="connsiteX2" fmla="*/ 14871305 w 14871305"/>
+              <a:gd name="connsiteY2" fmla="*/ 3275881 h 3275881"/>
+              <a:gd name="connsiteX3" fmla="*/ 1136149 w 14871305"/>
+              <a:gd name="connsiteY3" fmla="*/ 3275880 h 3275881"/>
+              <a:gd name="connsiteX4" fmla="*/ 0 w 14871305"/>
+              <a:gd name="connsiteY4" fmla="*/ 1148188 h 3275881"/>
+              <a:gd name="connsiteX5" fmla="*/ 60148 w 14871305"/>
+              <a:gd name="connsiteY5" fmla="*/ 501609 h 3275881"/>
+              <a:gd name="connsiteX6" fmla="*/ 121172 w 14871305"/>
+              <a:gd name="connsiteY6" fmla="*/ 0 h 3275881"/>
+              <a:gd name="connsiteX0" fmla="*/ 797822 w 15547955"/>
+              <a:gd name="connsiteY0" fmla="*/ 0 h 3275881"/>
+              <a:gd name="connsiteX1" fmla="*/ 15547955 w 15547955"/>
+              <a:gd name="connsiteY1" fmla="*/ 7518 h 3275881"/>
+              <a:gd name="connsiteX2" fmla="*/ 15547955 w 15547955"/>
+              <a:gd name="connsiteY2" fmla="*/ 3275881 h 3275881"/>
+              <a:gd name="connsiteX3" fmla="*/ 1812799 w 15547955"/>
+              <a:gd name="connsiteY3" fmla="*/ 3275880 h 3275881"/>
+              <a:gd name="connsiteX4" fmla="*/ 676650 w 15547955"/>
+              <a:gd name="connsiteY4" fmla="*/ 1148188 h 3275881"/>
+              <a:gd name="connsiteX5" fmla="*/ 0 w 15547955"/>
+              <a:gd name="connsiteY5" fmla="*/ 922638 h 3275881"/>
+              <a:gd name="connsiteX6" fmla="*/ 797822 w 15547955"/>
+              <a:gd name="connsiteY6" fmla="*/ 0 h 3275881"/>
+              <a:gd name="connsiteX0" fmla="*/ 797822 w 15547955"/>
+              <a:gd name="connsiteY0" fmla="*/ 0 h 3275881"/>
+              <a:gd name="connsiteX1" fmla="*/ 15547955 w 15547955"/>
+              <a:gd name="connsiteY1" fmla="*/ 7518 h 3275881"/>
+              <a:gd name="connsiteX2" fmla="*/ 15547955 w 15547955"/>
+              <a:gd name="connsiteY2" fmla="*/ 3275881 h 3275881"/>
+              <a:gd name="connsiteX3" fmla="*/ 1812799 w 15547955"/>
+              <a:gd name="connsiteY3" fmla="*/ 3275880 h 3275881"/>
+              <a:gd name="connsiteX4" fmla="*/ 1030011 w 15547955"/>
+              <a:gd name="connsiteY4" fmla="*/ 1757174 h 3275881"/>
+              <a:gd name="connsiteX5" fmla="*/ 0 w 15547955"/>
+              <a:gd name="connsiteY5" fmla="*/ 922638 h 3275881"/>
+              <a:gd name="connsiteX6" fmla="*/ 797822 w 15547955"/>
+              <a:gd name="connsiteY6" fmla="*/ 0 h 3275881"/>
+              <a:gd name="connsiteX0" fmla="*/ 797822 w 15547955"/>
+              <a:gd name="connsiteY0" fmla="*/ 0 h 3275881"/>
+              <a:gd name="connsiteX1" fmla="*/ 15547955 w 15547955"/>
+              <a:gd name="connsiteY1" fmla="*/ 7518 h 3275881"/>
+              <a:gd name="connsiteX2" fmla="*/ 15547955 w 15547955"/>
+              <a:gd name="connsiteY2" fmla="*/ 3275881 h 3275881"/>
+              <a:gd name="connsiteX3" fmla="*/ 1812799 w 15547955"/>
+              <a:gd name="connsiteY3" fmla="*/ 3275880 h 3275881"/>
+              <a:gd name="connsiteX4" fmla="*/ 1030011 w 15547955"/>
+              <a:gd name="connsiteY4" fmla="*/ 1757174 h 3275881"/>
+              <a:gd name="connsiteX5" fmla="*/ 398472 w 15547955"/>
+              <a:gd name="connsiteY5" fmla="*/ 1260963 h 3275881"/>
+              <a:gd name="connsiteX6" fmla="*/ 0 w 15547955"/>
+              <a:gd name="connsiteY6" fmla="*/ 922638 h 3275881"/>
+              <a:gd name="connsiteX7" fmla="*/ 797822 w 15547955"/>
+              <a:gd name="connsiteY7" fmla="*/ 0 h 3275881"/>
+              <a:gd name="connsiteX0" fmla="*/ 797822 w 15547955"/>
+              <a:gd name="connsiteY0" fmla="*/ 0 h 3275881"/>
+              <a:gd name="connsiteX1" fmla="*/ 15547955 w 15547955"/>
+              <a:gd name="connsiteY1" fmla="*/ 7518 h 3275881"/>
+              <a:gd name="connsiteX2" fmla="*/ 15547955 w 15547955"/>
+              <a:gd name="connsiteY2" fmla="*/ 3275881 h 3275881"/>
+              <a:gd name="connsiteX3" fmla="*/ 1812799 w 15547955"/>
+              <a:gd name="connsiteY3" fmla="*/ 3275880 h 3275881"/>
+              <a:gd name="connsiteX4" fmla="*/ 1030011 w 15547955"/>
+              <a:gd name="connsiteY4" fmla="*/ 1757174 h 3275881"/>
+              <a:gd name="connsiteX5" fmla="*/ 368399 w 15547955"/>
+              <a:gd name="connsiteY5" fmla="*/ 1531624 h 3275881"/>
+              <a:gd name="connsiteX6" fmla="*/ 0 w 15547955"/>
+              <a:gd name="connsiteY6" fmla="*/ 922638 h 3275881"/>
+              <a:gd name="connsiteX7" fmla="*/ 797822 w 15547955"/>
+              <a:gd name="connsiteY7" fmla="*/ 0 h 3275881"/>
+              <a:gd name="connsiteX0" fmla="*/ 797822 w 15547955"/>
+              <a:gd name="connsiteY0" fmla="*/ 10442 h 3286323"/>
+              <a:gd name="connsiteX1" fmla="*/ 12117497 w 15547955"/>
+              <a:gd name="connsiteY1" fmla="*/ 0 h 3286323"/>
+              <a:gd name="connsiteX2" fmla="*/ 15547955 w 15547955"/>
+              <a:gd name="connsiteY2" fmla="*/ 3286323 h 3286323"/>
+              <a:gd name="connsiteX3" fmla="*/ 1812799 w 15547955"/>
+              <a:gd name="connsiteY3" fmla="*/ 3286322 h 3286323"/>
+              <a:gd name="connsiteX4" fmla="*/ 1030011 w 15547955"/>
+              <a:gd name="connsiteY4" fmla="*/ 1767616 h 3286323"/>
+              <a:gd name="connsiteX5" fmla="*/ 368399 w 15547955"/>
+              <a:gd name="connsiteY5" fmla="*/ 1542066 h 3286323"/>
+              <a:gd name="connsiteX6" fmla="*/ 0 w 15547955"/>
+              <a:gd name="connsiteY6" fmla="*/ 933080 h 3286323"/>
+              <a:gd name="connsiteX7" fmla="*/ 797822 w 15547955"/>
+              <a:gd name="connsiteY7" fmla="*/ 10442 h 3286323"/>
+              <a:gd name="connsiteX0" fmla="*/ 797822 w 15080982"/>
+              <a:gd name="connsiteY0" fmla="*/ 10442 h 3286322"/>
+              <a:gd name="connsiteX1" fmla="*/ 12117497 w 15080982"/>
+              <a:gd name="connsiteY1" fmla="*/ 0 h 3286322"/>
+              <a:gd name="connsiteX2" fmla="*/ 15080982 w 15080982"/>
+              <a:gd name="connsiteY2" fmla="*/ 3250402 h 3286322"/>
+              <a:gd name="connsiteX3" fmla="*/ 1812799 w 15080982"/>
+              <a:gd name="connsiteY3" fmla="*/ 3286322 h 3286322"/>
+              <a:gd name="connsiteX4" fmla="*/ 1030011 w 15080982"/>
+              <a:gd name="connsiteY4" fmla="*/ 1767616 h 3286322"/>
+              <a:gd name="connsiteX5" fmla="*/ 368399 w 15080982"/>
+              <a:gd name="connsiteY5" fmla="*/ 1542066 h 3286322"/>
+              <a:gd name="connsiteX6" fmla="*/ 0 w 15080982"/>
+              <a:gd name="connsiteY6" fmla="*/ 933080 h 3286322"/>
+              <a:gd name="connsiteX7" fmla="*/ 797822 w 15080982"/>
+              <a:gd name="connsiteY7" fmla="*/ 10442 h 3286322"/>
+              <a:gd name="connsiteX0" fmla="*/ 797822 w 13279398"/>
+              <a:gd name="connsiteY0" fmla="*/ 10442 h 3286322"/>
+              <a:gd name="connsiteX1" fmla="*/ 12117497 w 13279398"/>
+              <a:gd name="connsiteY1" fmla="*/ 0 h 3286322"/>
+              <a:gd name="connsiteX2" fmla="*/ 13279397 w 13279398"/>
+              <a:gd name="connsiteY2" fmla="*/ 3264989 h 3286322"/>
+              <a:gd name="connsiteX3" fmla="*/ 1812799 w 13279398"/>
+              <a:gd name="connsiteY3" fmla="*/ 3286322 h 3286322"/>
+              <a:gd name="connsiteX4" fmla="*/ 1030011 w 13279398"/>
+              <a:gd name="connsiteY4" fmla="*/ 1767616 h 3286322"/>
+              <a:gd name="connsiteX5" fmla="*/ 368399 w 13279398"/>
+              <a:gd name="connsiteY5" fmla="*/ 1542066 h 3286322"/>
+              <a:gd name="connsiteX6" fmla="*/ 0 w 13279398"/>
+              <a:gd name="connsiteY6" fmla="*/ 933080 h 3286322"/>
+              <a:gd name="connsiteX7" fmla="*/ 797822 w 13279398"/>
+              <a:gd name="connsiteY7" fmla="*/ 10442 h 3286322"/>
+              <a:gd name="connsiteX0" fmla="*/ 797822 w 13279397"/>
+              <a:gd name="connsiteY0" fmla="*/ 0 h 3275880"/>
+              <a:gd name="connsiteX1" fmla="*/ 12652033 w 13279397"/>
+              <a:gd name="connsiteY1" fmla="*/ 4143 h 3275880"/>
+              <a:gd name="connsiteX2" fmla="*/ 13279397 w 13279397"/>
+              <a:gd name="connsiteY2" fmla="*/ 3254547 h 3275880"/>
+              <a:gd name="connsiteX3" fmla="*/ 1812799 w 13279397"/>
+              <a:gd name="connsiteY3" fmla="*/ 3275880 h 3275880"/>
+              <a:gd name="connsiteX4" fmla="*/ 1030011 w 13279397"/>
+              <a:gd name="connsiteY4" fmla="*/ 1757174 h 3275880"/>
+              <a:gd name="connsiteX5" fmla="*/ 368399 w 13279397"/>
+              <a:gd name="connsiteY5" fmla="*/ 1531624 h 3275880"/>
+              <a:gd name="connsiteX6" fmla="*/ 0 w 13279397"/>
+              <a:gd name="connsiteY6" fmla="*/ 922638 h 3275880"/>
+              <a:gd name="connsiteX7" fmla="*/ 797822 w 13279397"/>
+              <a:gd name="connsiteY7" fmla="*/ 0 h 3275880"/>
+              <a:gd name="connsiteX0" fmla="*/ 797822 w 13279397"/>
+              <a:gd name="connsiteY0" fmla="*/ 0 h 3346262"/>
+              <a:gd name="connsiteX1" fmla="*/ 12652033 w 13279397"/>
+              <a:gd name="connsiteY1" fmla="*/ 4143 h 3346262"/>
+              <a:gd name="connsiteX2" fmla="*/ 13279397 w 13279397"/>
+              <a:gd name="connsiteY2" fmla="*/ 3254547 h 3346262"/>
+              <a:gd name="connsiteX3" fmla="*/ 2409869 w 13279397"/>
+              <a:gd name="connsiteY3" fmla="*/ 3346262 h 3346262"/>
+              <a:gd name="connsiteX4" fmla="*/ 1030011 w 13279397"/>
+              <a:gd name="connsiteY4" fmla="*/ 1757174 h 3346262"/>
+              <a:gd name="connsiteX5" fmla="*/ 368399 w 13279397"/>
+              <a:gd name="connsiteY5" fmla="*/ 1531624 h 3346262"/>
+              <a:gd name="connsiteX6" fmla="*/ 0 w 13279397"/>
+              <a:gd name="connsiteY6" fmla="*/ 922638 h 3346262"/>
+              <a:gd name="connsiteX7" fmla="*/ 797822 w 13279397"/>
+              <a:gd name="connsiteY7" fmla="*/ 0 h 3346262"/>
+              <a:gd name="connsiteX0" fmla="*/ 1000826 w 13279397"/>
+              <a:gd name="connsiteY0" fmla="*/ 0 h 3372655"/>
+              <a:gd name="connsiteX1" fmla="*/ 12652033 w 13279397"/>
+              <a:gd name="connsiteY1" fmla="*/ 30536 h 3372655"/>
+              <a:gd name="connsiteX2" fmla="*/ 13279397 w 13279397"/>
+              <a:gd name="connsiteY2" fmla="*/ 3280940 h 3372655"/>
+              <a:gd name="connsiteX3" fmla="*/ 2409869 w 13279397"/>
+              <a:gd name="connsiteY3" fmla="*/ 3372655 h 3372655"/>
+              <a:gd name="connsiteX4" fmla="*/ 1030011 w 13279397"/>
+              <a:gd name="connsiteY4" fmla="*/ 1783567 h 3372655"/>
+              <a:gd name="connsiteX5" fmla="*/ 368399 w 13279397"/>
+              <a:gd name="connsiteY5" fmla="*/ 1558017 h 3372655"/>
+              <a:gd name="connsiteX6" fmla="*/ 0 w 13279397"/>
+              <a:gd name="connsiteY6" fmla="*/ 949031 h 3372655"/>
+              <a:gd name="connsiteX7" fmla="*/ 1000826 w 13279397"/>
+              <a:gd name="connsiteY7" fmla="*/ 0 h 3372655"/>
+            </a:gdLst>
+            <a:ahLst/>
+            <a:cxnLst>
+              <a:cxn ang="0">
+                <a:pos x="connsiteX0" y="connsiteY0"/>
+              </a:cxn>
+              <a:cxn ang="0">
+                <a:pos x="connsiteX1" y="connsiteY1"/>
+              </a:cxn>
+              <a:cxn ang="0">
+                <a:pos x="connsiteX2" y="connsiteY2"/>
+              </a:cxn>
+              <a:cxn ang="0">
+                <a:pos x="connsiteX3" y="connsiteY3"/>
+              </a:cxn>
+              <a:cxn ang="0">
+                <a:pos x="connsiteX4" y="connsiteY4"/>
+              </a:cxn>
+              <a:cxn ang="0">
+                <a:pos x="connsiteX5" y="connsiteY5"/>
+              </a:cxn>
+              <a:cxn ang="0">
+                <a:pos x="connsiteX6" y="connsiteY6"/>
+              </a:cxn>
+              <a:cxn ang="0">
+                <a:pos x="connsiteX7" y="connsiteY7"/>
+              </a:cxn>
+            </a:cxnLst>
+            <a:rect l="l" t="t" r="r" b="b"/>
+            <a:pathLst>
+              <a:path w="13279397" h="3372655">
+                <a:moveTo>
+                  <a:pt x="1000826" y="0"/>
+                </a:moveTo>
+                <a:lnTo>
+                  <a:pt x="12652033" y="30536"/>
+                </a:lnTo>
+                <a:lnTo>
+                  <a:pt x="13279397" y="3280940"/>
+                </a:lnTo>
+                <a:lnTo>
+                  <a:pt x="2409869" y="3372655"/>
+                </a:lnTo>
+                <a:lnTo>
+                  <a:pt x="1030011" y="1783567"/>
+                </a:lnTo>
+                <a:lnTo>
+                  <a:pt x="368399" y="1558017"/>
+                </a:lnTo>
+                <a:lnTo>
+                  <a:pt x="0" y="949031"/>
+                </a:lnTo>
+                <a:lnTo>
+                  <a:pt x="1000826" y="0"/>
+                </a:lnTo>
+                <a:close/>
+              </a:path>
+            </a:pathLst>
+          </a:custGeom>
+          <a:gradFill flip="none" rotWithShape="1">
+            <a:gsLst>
+              <a:gs pos="0">
+                <a:schemeClr val="tx1">
+                  <a:alpha val="7000"/>
+                </a:schemeClr>
+              </a:gs>
+              <a:gs pos="100000">
+                <a:schemeClr val="tx1">
+                  <a:alpha val="0"/>
+                </a:schemeClr>
+              </a:gs>
+            </a:gsLst>
+            <a:lin ang="0" scaled="1"/>
+            <a:tileRect/>
+          </a:gradFill>
+          <a:ln>
+            <a:noFill/>
+          </a:ln>
+        </p:spPr>
+        <p:style>
+          <a:lnRef idx="2">
+            <a:schemeClr val="accent1">
+              <a:shade val="50000"/>
+            </a:schemeClr>
+          </a:lnRef>
+          <a:fillRef idx="1">
+            <a:schemeClr val="accent1"/>
+          </a:fillRef>
+          <a:effectRef idx="0">
+            <a:schemeClr val="accent1"/>
+          </a:effectRef>
+          <a:fontRef idx="minor">
+            <a:schemeClr val="lt1"/>
+          </a:fontRef>
+        </p:style>
+        <p:txBody>
+          <a:bodyPr rtlCol="0" anchor="ctr"/>
+          <a:lstStyle/>
+          <a:p>
+            <a:pPr marL="0" marR="0" lvl="0" indent="0" algn="ctr" defTabSz="457200" rtl="0" eaLnBrk="1" fontAlgn="auto" latinLnBrk="0" hangingPunct="1">
+              <a:lnSpc>
+                <a:spcPct val="100000"/>
+              </a:lnSpc>
+              <a:spcBef>
+                <a:spcPts val="0"/>
+              </a:spcBef>
+              <a:spcAft>
+                <a:spcPts val="0"/>
+              </a:spcAft>
+              <a:buClrTx/>
+              <a:buSzTx/>
+              <a:buFontTx/>
+              <a:buNone/>
+              <a:tabLst/>
+              <a:defRPr/>
+            </a:pPr>
+            <a:endParaRPr kumimoji="1" lang="ko-Kore-KR" altLang="en-US" sz="1800" b="0" i="0" u="none" strike="noStrike" kern="1200" cap="none" spc="0" normalizeH="0" baseline="0" noProof="0" dirty="0">
+              <a:ln>
+                <a:noFill/>
+              </a:ln>
+              <a:solidFill>
+                <a:prstClr val="white"/>
+              </a:solidFill>
+              <a:effectLst/>
+              <a:uLnTx/>
+              <a:uFillTx/>
+              <a:latin typeface="Calibri" panose="020F0502020204030204"/>
+              <a:ea typeface="+mn-ea"/>
+              <a:cs typeface="+mn-cs"/>
+            </a:endParaRPr>
+          </a:p>
+        </p:txBody>
+      </p:sp>
+      <p:sp>
+        <p:nvSpPr>
+          <p:cNvPr id="12" name="TextBox 11">
+            <a:extLst>
+              <a:ext uri="{FF2B5EF4-FFF2-40B4-BE49-F238E27FC236}">
+                <a16:creationId xmlns:a16="http://schemas.microsoft.com/office/drawing/2014/main" id="{58943F78-E088-59C3-FF83-16968CA58A2B}"/>
+              </a:ext>
+            </a:extLst>
+          </p:cNvPr>
+          <p:cNvSpPr txBox="1"/>
+          <p:nvPr/>
+        </p:nvSpPr>
+        <p:spPr>
+          <a:xfrm>
+            <a:off x="3781951" y="1627103"/>
+            <a:ext cx="5439310" cy="10602903"/>
+          </a:xfrm>
+          <a:prstGeom prst="rect">
+            <a:avLst/>
+          </a:prstGeom>
+          <a:noFill/>
+          <a:effectLst/>
+        </p:spPr>
+        <p:txBody>
+          <a:bodyPr wrap="none" rtlCol="0">
+            <a:spAutoFit/>
+          </a:bodyPr>
+          <a:lstStyle/>
+          <a:p>
+            <a:pPr marL="0" marR="0" lvl="0" indent="0" algn="ctr" defTabSz="457200" rtl="0" eaLnBrk="1" fontAlgn="auto" latinLnBrk="0" hangingPunct="1">
+              <a:lnSpc>
+                <a:spcPct val="100000"/>
+              </a:lnSpc>
+              <a:spcBef>
+                <a:spcPts val="0"/>
+              </a:spcBef>
+              <a:spcAft>
+                <a:spcPts val="0"/>
+              </a:spcAft>
+              <a:buClrTx/>
+              <a:buSzTx/>
+              <a:buFontTx/>
+              <a:buNone/>
+              <a:tabLst/>
+              <a:defRPr/>
+            </a:pPr>
+            <a:r>
+              <a:rPr kumimoji="1" lang="en-US" altLang="ko-Kore-KR" sz="68300" b="1" i="0" u="none" strike="noStrike" kern="1200" cap="none" spc="0" normalizeH="0" baseline="0" noProof="0" dirty="0">
+                <a:ln>
+                  <a:noFill/>
+                </a:ln>
+                <a:solidFill>
+                  <a:prstClr val="white"/>
+                </a:solidFill>
+                <a:effectLst>
+                  <a:outerShdw blurRad="92769" dist="57210" dir="5400000" algn="tl" rotWithShape="0">
+                    <a:prstClr val="black">
+                      <a:alpha val="19659"/>
+                    </a:prstClr>
+                  </a:outerShdw>
+                </a:effectLst>
+                <a:uLnTx/>
+                <a:uFillTx/>
+                <a:latin typeface="Atomy Bold" panose="020B0603000000000000" pitchFamily="34" charset="-127"/>
+                <a:ea typeface="Atomy Bold" panose="020B0603000000000000" pitchFamily="34" charset="-127"/>
+                <a:cs typeface="+mn-cs"/>
+              </a:rPr>
+              <a:t>8</a:t>
+            </a:r>
+          </a:p>
+        </p:txBody>
+      </p:sp>
+      <p:pic>
+        <p:nvPicPr>
+          <p:cNvPr id="6" name="그림 5">
+            <a:extLst>
+              <a:ext uri="{FF2B5EF4-FFF2-40B4-BE49-F238E27FC236}">
+                <a16:creationId xmlns:a16="http://schemas.microsoft.com/office/drawing/2014/main" id="{3B9DF7D6-A03F-B484-3161-7D1F831FB938}"/>
+              </a:ext>
+            </a:extLst>
+          </p:cNvPr>
+          <p:cNvPicPr>
+            <a:picLocks noChangeAspect="1"/>
+          </p:cNvPicPr>
+          <p:nvPr/>
+        </p:nvPicPr>
+        <p:blipFill>
+          <a:blip r:embed="rId3"/>
+          <a:stretch>
+            <a:fillRect/>
+          </a:stretch>
+        </p:blipFill>
+        <p:spPr>
+          <a:xfrm>
+            <a:off x="-14826010" y="15568"/>
+            <a:ext cx="12987645" cy="12987645"/>
+          </a:xfrm>
+          <a:prstGeom prst="rect">
+            <a:avLst/>
+          </a:prstGeom>
+        </p:spPr>
+      </p:pic>
+    </p:spTree>
+    <p:extLst>
+      <p:ext uri="{BB962C8B-B14F-4D97-AF65-F5344CB8AC3E}">
+        <p14:creationId xmlns:p14="http://schemas.microsoft.com/office/powerpoint/2010/main" val="3558915428"/>
       </p:ext>
     </p:extLst>
   </p:cSld>
